--- a/Cirpark_Modbus/Ressources/Revue Diaporama/Revue 3 - BHAVSAR Aakash.pptx
+++ b/Cirpark_Modbus/Ressources/Revue Diaporama/Revue 3 - BHAVSAR Aakash.pptx
@@ -667,13 +667,8 @@
           <a:p>
             <a:r>
               <a:rPr lang="fr-FR" baseline="0" dirty="0" smtClean="0"/>
-              <a:t>	</a:t>
-            </a:r>
-            <a:r>
-              <a:rPr lang="fr-FR" baseline="0" smtClean="0"/>
-              <a:t>- Calculer le débit </a:t>
-            </a:r>
-            <a:endParaRPr lang="fr-FR" baseline="0" dirty="0" smtClean="0"/>
+              <a:t>	- Calculer le débit </a:t>
+            </a:r>
           </a:p>
           <a:p>
             <a:endParaRPr lang="fr-FR" dirty="0"/>
@@ -1377,7 +1372,7 @@
             <a:fld id="{544213AF-26F6-41FA-8D85-E2C5388D6E58}" type="datetimeFigureOut">
               <a:rPr lang="en-US" smtClean="0"/>
               <a:pPr/>
-              <a:t>6/9/2022</a:t>
+              <a:t>6/10/2022</a:t>
             </a:fld>
             <a:endParaRPr lang="en-US" dirty="0">
               <a:solidFill>
@@ -1585,7 +1580,7 @@
             <a:fld id="{544213AF-26F6-41FA-8D85-E2C5388D6E58}" type="datetimeFigureOut">
               <a:rPr lang="en-US" smtClean="0"/>
               <a:pPr/>
-              <a:t>6/9/2022</a:t>
+              <a:t>6/10/2022</a:t>
             </a:fld>
             <a:endParaRPr lang="en-US"/>
           </a:p>
@@ -1772,7 +1767,7 @@
             <a:fld id="{544213AF-26F6-41FA-8D85-E2C5388D6E58}" type="datetimeFigureOut">
               <a:rPr lang="en-US" smtClean="0"/>
               <a:pPr/>
-              <a:t>6/9/2022</a:t>
+              <a:t>6/10/2022</a:t>
             </a:fld>
             <a:endParaRPr lang="en-US"/>
           </a:p>
@@ -2614,7 +2609,7 @@
             <a:fld id="{544213AF-26F6-41FA-8D85-E2C5388D6E58}" type="datetimeFigureOut">
               <a:rPr lang="en-US" smtClean="0"/>
               <a:pPr/>
-              <a:t>6/9/2022</a:t>
+              <a:t>6/10/2022</a:t>
             </a:fld>
             <a:endParaRPr lang="en-US"/>
           </a:p>
@@ -2871,7 +2866,7 @@
             <a:fld id="{544213AF-26F6-41FA-8D85-E2C5388D6E58}" type="datetimeFigureOut">
               <a:rPr lang="en-US" smtClean="0"/>
               <a:pPr/>
-              <a:t>6/9/2022</a:t>
+              <a:t>6/10/2022</a:t>
             </a:fld>
             <a:endParaRPr lang="en-US"/>
           </a:p>
@@ -3282,7 +3277,7 @@
             <a:fld id="{544213AF-26F6-41FA-8D85-E2C5388D6E58}" type="datetimeFigureOut">
               <a:rPr lang="en-US" smtClean="0"/>
               <a:pPr/>
-              <a:t>6/9/2022</a:t>
+              <a:t>6/10/2022</a:t>
             </a:fld>
             <a:endParaRPr lang="en-US"/>
           </a:p>
@@ -3730,7 +3725,7 @@
             <a:fld id="{544213AF-26F6-41FA-8D85-E2C5388D6E58}" type="datetimeFigureOut">
               <a:rPr lang="en-US" smtClean="0"/>
               <a:pPr/>
-              <a:t>6/9/2022</a:t>
+              <a:t>6/10/2022</a:t>
             </a:fld>
             <a:endParaRPr lang="en-US"/>
           </a:p>
@@ -3833,7 +3828,7 @@
             <a:fld id="{544213AF-26F6-41FA-8D85-E2C5388D6E58}" type="datetimeFigureOut">
               <a:rPr lang="en-US" smtClean="0"/>
               <a:pPr/>
-              <a:t>6/9/2022</a:t>
+              <a:t>6/10/2022</a:t>
             </a:fld>
             <a:endParaRPr lang="en-US"/>
           </a:p>
@@ -3956,7 +3951,7 @@
             <a:fld id="{544213AF-26F6-41FA-8D85-E2C5388D6E58}" type="datetimeFigureOut">
               <a:rPr lang="en-US" smtClean="0"/>
               <a:pPr/>
-              <a:t>6/9/2022</a:t>
+              <a:t>6/10/2022</a:t>
             </a:fld>
             <a:endParaRPr lang="en-US"/>
           </a:p>
@@ -4232,7 +4227,7 @@
             <a:fld id="{544213AF-26F6-41FA-8D85-E2C5388D6E58}" type="datetimeFigureOut">
               <a:rPr lang="en-US" smtClean="0"/>
               <a:pPr/>
-              <a:t>6/9/2022</a:t>
+              <a:t>6/10/2022</a:t>
             </a:fld>
             <a:endParaRPr lang="en-US"/>
           </a:p>
@@ -4439,7 +4434,7 @@
             <a:fld id="{544213AF-26F6-41FA-8D85-E2C5388D6E58}" type="datetimeFigureOut">
               <a:rPr lang="en-US" smtClean="0"/>
               <a:pPr/>
-              <a:t>6/9/2022</a:t>
+              <a:t>6/10/2022</a:t>
             </a:fld>
             <a:endParaRPr lang="en-US">
               <a:solidFill>
@@ -5558,7 +5553,7 @@
             <a:fld id="{544213AF-26F6-41FA-8D85-E2C5388D6E58}" type="datetimeFigureOut">
               <a:rPr lang="en-US" smtClean="0"/>
               <a:pPr/>
-              <a:t>6/9/2022</a:t>
+              <a:t>6/10/2022</a:t>
             </a:fld>
             <a:endParaRPr lang="en-US" sz="2400" dirty="0">
               <a:solidFill>
@@ -6287,7 +6282,7 @@
           </a:prstGeom>
           <a:extLst>
             <a:ext uri="{C572A759-6A51-4108-AA02-DFA0A04FC94B}">
-              <ma14:wrappingTextBoxFlag xmlns="" xmlns:m="http://schemas.openxmlformats.org/officeDocument/2006/math" xmlns:a14="http://schemas.microsoft.com/office/drawing/2010/main" xmlns:ma14="http://schemas.microsoft.com/office/mac/drawingml/2011/main" val="1"/>
+              <ma14:wrappingTextBoxFlag xmlns:ma14="http://schemas.microsoft.com/office/mac/drawingml/2011/main" xmlns:a14="http://schemas.microsoft.com/office/drawing/2010/main" xmlns:m="http://schemas.openxmlformats.org/officeDocument/2006/math" xmlns="" val="1"/>
             </a:ext>
           </a:extLst>
         </p:spPr>
@@ -6684,7 +6679,7 @@
           </a:ln>
           <a:extLst>
             <a:ext uri="{C572A759-6A51-4108-AA02-DFA0A04FC94B}">
-              <ma14:wrappingTextBoxFlag xmlns="" xmlns:m="http://schemas.openxmlformats.org/officeDocument/2006/math" xmlns:a14="http://schemas.microsoft.com/office/drawing/2010/main" xmlns:ma14="http://schemas.microsoft.com/office/mac/drawingml/2011/main" val="1"/>
+              <ma14:wrappingTextBoxFlag xmlns:ma14="http://schemas.microsoft.com/office/mac/drawingml/2011/main" xmlns:a14="http://schemas.microsoft.com/office/drawing/2010/main" xmlns:m="http://schemas.openxmlformats.org/officeDocument/2006/math" xmlns="" val="1"/>
             </a:ext>
           </a:extLst>
         </p:spPr>
@@ -6945,7 +6940,7 @@
           </a:prstGeom>
           <a:extLst>
             <a:ext uri="{C572A759-6A51-4108-AA02-DFA0A04FC94B}">
-              <ma14:wrappingTextBoxFlag xmlns="" xmlns:m="http://schemas.openxmlformats.org/officeDocument/2006/math" xmlns:a14="http://schemas.microsoft.com/office/drawing/2010/main" xmlns:ma14="http://schemas.microsoft.com/office/mac/drawingml/2011/main" val="1"/>
+              <ma14:wrappingTextBoxFlag xmlns:ma14="http://schemas.microsoft.com/office/mac/drawingml/2011/main" xmlns:a14="http://schemas.microsoft.com/office/drawing/2010/main" xmlns:m="http://schemas.openxmlformats.org/officeDocument/2006/math" xmlns="" val="1"/>
             </a:ext>
           </a:extLst>
         </p:spPr>
@@ -7016,7 +7011,7 @@
         <p:spPr>
           <a:xfrm>
             <a:off x="9116931" y="3721404"/>
-            <a:ext cx="6963501" cy="471924"/>
+            <a:ext cx="5019285" cy="471924"/>
           </a:xfrm>
           <a:prstGeom prst="rect">
             <a:avLst/>
@@ -7026,7 +7021,7 @@
           </a:ln>
           <a:extLst>
             <a:ext uri="{C572A759-6A51-4108-AA02-DFA0A04FC94B}">
-              <ma14:wrappingTextBoxFlag xmlns="" xmlns:m="http://schemas.openxmlformats.org/officeDocument/2006/math" xmlns:a14="http://schemas.microsoft.com/office/drawing/2010/main" xmlns:ma14="http://schemas.microsoft.com/office/mac/drawingml/2011/main" val="1"/>
+              <ma14:wrappingTextBoxFlag xmlns:ma14="http://schemas.microsoft.com/office/mac/drawingml/2011/main" xmlns:a14="http://schemas.microsoft.com/office/drawing/2010/main" xmlns:m="http://schemas.openxmlformats.org/officeDocument/2006/math" xmlns="" val="1"/>
             </a:ext>
           </a:extLst>
         </p:spPr>
@@ -7136,7 +7131,7 @@
           </a:prstGeom>
           <a:extLst>
             <a:ext uri="{C572A759-6A51-4108-AA02-DFA0A04FC94B}">
-              <ma14:wrappingTextBoxFlag xmlns="" xmlns:m="http://schemas.openxmlformats.org/officeDocument/2006/math" xmlns:a14="http://schemas.microsoft.com/office/drawing/2010/main" xmlns:ma14="http://schemas.microsoft.com/office/mac/drawingml/2011/main" val="1"/>
+              <ma14:wrappingTextBoxFlag xmlns:ma14="http://schemas.microsoft.com/office/mac/drawingml/2011/main" xmlns:a14="http://schemas.microsoft.com/office/drawing/2010/main" xmlns:m="http://schemas.openxmlformats.org/officeDocument/2006/math" xmlns="" val="1"/>
             </a:ext>
           </a:extLst>
         </p:spPr>
@@ -7332,7 +7327,7 @@
           </a:ln>
           <a:extLst>
             <a:ext uri="{C572A759-6A51-4108-AA02-DFA0A04FC94B}">
-              <ma14:wrappingTextBoxFlag xmlns="" xmlns:m="http://schemas.openxmlformats.org/officeDocument/2006/math" xmlns:a14="http://schemas.microsoft.com/office/drawing/2010/main" xmlns:ma14="http://schemas.microsoft.com/office/mac/drawingml/2011/main" val="1"/>
+              <ma14:wrappingTextBoxFlag xmlns:ma14="http://schemas.microsoft.com/office/mac/drawingml/2011/main" xmlns:a14="http://schemas.microsoft.com/office/drawing/2010/main" xmlns:m="http://schemas.openxmlformats.org/officeDocument/2006/math" xmlns="" val="1"/>
             </a:ext>
           </a:extLst>
         </p:spPr>
@@ -7810,7 +7805,7 @@
           </a:ln>
           <a:extLst>
             <a:ext uri="{C572A759-6A51-4108-AA02-DFA0A04FC94B}">
-              <ma14:wrappingTextBoxFlag xmlns="" xmlns:m="http://schemas.openxmlformats.org/officeDocument/2006/math" xmlns:a14="http://schemas.microsoft.com/office/drawing/2010/main" xmlns:ma14="http://schemas.microsoft.com/office/mac/drawingml/2011/main" val="1"/>
+              <ma14:wrappingTextBoxFlag xmlns:ma14="http://schemas.microsoft.com/office/mac/drawingml/2011/main" xmlns:a14="http://schemas.microsoft.com/office/drawing/2010/main" xmlns:m="http://schemas.openxmlformats.org/officeDocument/2006/math" xmlns="" val="1"/>
             </a:ext>
           </a:extLst>
         </p:spPr>
@@ -8412,7 +8407,7 @@
           </a:prstGeom>
           <a:extLst>
             <a:ext uri="{C572A759-6A51-4108-AA02-DFA0A04FC94B}">
-              <ma14:wrappingTextBoxFlag xmlns="" xmlns:m="http://schemas.openxmlformats.org/officeDocument/2006/math" xmlns:a14="http://schemas.microsoft.com/office/drawing/2010/main" xmlns:ma14="http://schemas.microsoft.com/office/mac/drawingml/2011/main" val="1"/>
+              <ma14:wrappingTextBoxFlag xmlns:ma14="http://schemas.microsoft.com/office/mac/drawingml/2011/main" xmlns:a14="http://schemas.microsoft.com/office/drawing/2010/main" xmlns:m="http://schemas.openxmlformats.org/officeDocument/2006/math" xmlns="" val="1"/>
             </a:ext>
           </a:extLst>
         </p:spPr>
@@ -8481,7 +8476,7 @@
           </a:ln>
           <a:extLst>
             <a:ext uri="{C572A759-6A51-4108-AA02-DFA0A04FC94B}">
-              <ma14:wrappingTextBoxFlag xmlns="" xmlns:m="http://schemas.openxmlformats.org/officeDocument/2006/math" xmlns:a14="http://schemas.microsoft.com/office/drawing/2010/main" xmlns:ma14="http://schemas.microsoft.com/office/mac/drawingml/2011/main" val="1"/>
+              <ma14:wrappingTextBoxFlag xmlns:ma14="http://schemas.microsoft.com/office/mac/drawingml/2011/main" xmlns:a14="http://schemas.microsoft.com/office/drawing/2010/main" xmlns:m="http://schemas.openxmlformats.org/officeDocument/2006/math" xmlns="" val="1"/>
             </a:ext>
           </a:extLst>
         </p:spPr>
@@ -8738,7 +8733,7 @@
           </a:prstGeom>
           <a:extLst>
             <a:ext uri="{C572A759-6A51-4108-AA02-DFA0A04FC94B}">
-              <ma14:wrappingTextBoxFlag xmlns="" xmlns:m="http://schemas.openxmlformats.org/officeDocument/2006/math" xmlns:a14="http://schemas.microsoft.com/office/drawing/2010/main" xmlns:ma14="http://schemas.microsoft.com/office/mac/drawingml/2011/main" val="1"/>
+              <ma14:wrappingTextBoxFlag xmlns:ma14="http://schemas.microsoft.com/office/mac/drawingml/2011/main" xmlns:a14="http://schemas.microsoft.com/office/drawing/2010/main" xmlns:m="http://schemas.openxmlformats.org/officeDocument/2006/math" xmlns="" val="1"/>
             </a:ext>
           </a:extLst>
         </p:spPr>
@@ -8807,7 +8802,7 @@
           </a:ln>
           <a:extLst>
             <a:ext uri="{C572A759-6A51-4108-AA02-DFA0A04FC94B}">
-              <ma14:wrappingTextBoxFlag xmlns="" xmlns:m="http://schemas.openxmlformats.org/officeDocument/2006/math" xmlns:a14="http://schemas.microsoft.com/office/drawing/2010/main" xmlns:ma14="http://schemas.microsoft.com/office/mac/drawingml/2011/main" val="1"/>
+              <ma14:wrappingTextBoxFlag xmlns:ma14="http://schemas.microsoft.com/office/mac/drawingml/2011/main" xmlns:a14="http://schemas.microsoft.com/office/drawing/2010/main" xmlns:m="http://schemas.openxmlformats.org/officeDocument/2006/math" xmlns="" val="1"/>
             </a:ext>
           </a:extLst>
         </p:spPr>
@@ -9064,7 +9059,7 @@
           </a:prstGeom>
           <a:extLst>
             <a:ext uri="{C572A759-6A51-4108-AA02-DFA0A04FC94B}">
-              <ma14:wrappingTextBoxFlag xmlns="" xmlns:m="http://schemas.openxmlformats.org/officeDocument/2006/math" xmlns:a14="http://schemas.microsoft.com/office/drawing/2010/main" xmlns:ma14="http://schemas.microsoft.com/office/mac/drawingml/2011/main" val="1"/>
+              <ma14:wrappingTextBoxFlag xmlns:ma14="http://schemas.microsoft.com/office/mac/drawingml/2011/main" xmlns:a14="http://schemas.microsoft.com/office/drawing/2010/main" xmlns:m="http://schemas.openxmlformats.org/officeDocument/2006/math" xmlns="" val="1"/>
             </a:ext>
           </a:extLst>
         </p:spPr>
@@ -9133,7 +9128,7 @@
           </a:ln>
           <a:extLst>
             <a:ext uri="{C572A759-6A51-4108-AA02-DFA0A04FC94B}">
-              <ma14:wrappingTextBoxFlag xmlns="" xmlns:m="http://schemas.openxmlformats.org/officeDocument/2006/math" xmlns:a14="http://schemas.microsoft.com/office/drawing/2010/main" xmlns:ma14="http://schemas.microsoft.com/office/mac/drawingml/2011/main" val="1"/>
+              <ma14:wrappingTextBoxFlag xmlns:ma14="http://schemas.microsoft.com/office/mac/drawingml/2011/main" xmlns:a14="http://schemas.microsoft.com/office/drawing/2010/main" xmlns:m="http://schemas.openxmlformats.org/officeDocument/2006/math" xmlns="" val="1"/>
             </a:ext>
           </a:extLst>
         </p:spPr>
@@ -9463,7 +9458,7 @@
           </a:prstGeom>
           <a:extLst>
             <a:ext uri="{C572A759-6A51-4108-AA02-DFA0A04FC94B}">
-              <ma14:wrappingTextBoxFlag xmlns="" xmlns:m="http://schemas.openxmlformats.org/officeDocument/2006/math" xmlns:a14="http://schemas.microsoft.com/office/drawing/2010/main" xmlns:ma14="http://schemas.microsoft.com/office/mac/drawingml/2011/main" val="1"/>
+              <ma14:wrappingTextBoxFlag xmlns:ma14="http://schemas.microsoft.com/office/mac/drawingml/2011/main" xmlns:a14="http://schemas.microsoft.com/office/drawing/2010/main" xmlns:m="http://schemas.openxmlformats.org/officeDocument/2006/math" xmlns="" val="1"/>
             </a:ext>
           </a:extLst>
         </p:spPr>
@@ -9814,7 +9809,7 @@
           </a:ln>
           <a:extLst>
             <a:ext uri="{C572A759-6A51-4108-AA02-DFA0A04FC94B}">
-              <ma14:wrappingTextBoxFlag xmlns="" xmlns:m="http://schemas.openxmlformats.org/officeDocument/2006/math" xmlns:a14="http://schemas.microsoft.com/office/drawing/2010/main" xmlns:ma14="http://schemas.microsoft.com/office/mac/drawingml/2011/main" val="1"/>
+              <ma14:wrappingTextBoxFlag xmlns:ma14="http://schemas.microsoft.com/office/mac/drawingml/2011/main" xmlns:a14="http://schemas.microsoft.com/office/drawing/2010/main" xmlns:m="http://schemas.openxmlformats.org/officeDocument/2006/math" xmlns="" val="1"/>
             </a:ext>
           </a:extLst>
         </p:spPr>
@@ -9940,7 +9935,7 @@
           </a:ln>
           <a:extLst>
             <a:ext uri="{C572A759-6A51-4108-AA02-DFA0A04FC94B}">
-              <ma14:wrappingTextBoxFlag xmlns="" xmlns:m="http://schemas.openxmlformats.org/officeDocument/2006/math" xmlns:a14="http://schemas.microsoft.com/office/drawing/2010/main" xmlns:ma14="http://schemas.microsoft.com/office/mac/drawingml/2011/main" val="1"/>
+              <ma14:wrappingTextBoxFlag xmlns:ma14="http://schemas.microsoft.com/office/mac/drawingml/2011/main" xmlns:a14="http://schemas.microsoft.com/office/drawing/2010/main" xmlns:m="http://schemas.openxmlformats.org/officeDocument/2006/math" xmlns="" val="1"/>
             </a:ext>
           </a:extLst>
         </p:spPr>
@@ -10036,7 +10031,7 @@
           </a:ln>
           <a:extLst>
             <a:ext uri="{C572A759-6A51-4108-AA02-DFA0A04FC94B}">
-              <ma14:wrappingTextBoxFlag xmlns="" xmlns:m="http://schemas.openxmlformats.org/officeDocument/2006/math" xmlns:a14="http://schemas.microsoft.com/office/drawing/2010/main" xmlns:ma14="http://schemas.microsoft.com/office/mac/drawingml/2011/main" val="1"/>
+              <ma14:wrappingTextBoxFlag xmlns:ma14="http://schemas.microsoft.com/office/mac/drawingml/2011/main" xmlns:a14="http://schemas.microsoft.com/office/drawing/2010/main" xmlns:m="http://schemas.openxmlformats.org/officeDocument/2006/math" xmlns="" val="1"/>
             </a:ext>
           </a:extLst>
         </p:spPr>
@@ -10184,7 +10179,7 @@
           </a:ln>
           <a:extLst>
             <a:ext uri="{C572A759-6A51-4108-AA02-DFA0A04FC94B}">
-              <ma14:wrappingTextBoxFlag xmlns="" xmlns:m="http://schemas.openxmlformats.org/officeDocument/2006/math" xmlns:a14="http://schemas.microsoft.com/office/drawing/2010/main" xmlns:ma14="http://schemas.microsoft.com/office/mac/drawingml/2011/main" val="1"/>
+              <ma14:wrappingTextBoxFlag xmlns:ma14="http://schemas.microsoft.com/office/mac/drawingml/2011/main" xmlns:a14="http://schemas.microsoft.com/office/drawing/2010/main" xmlns:m="http://schemas.openxmlformats.org/officeDocument/2006/math" xmlns="" val="1"/>
             </a:ext>
           </a:extLst>
         </p:spPr>
@@ -10303,7 +10298,7 @@
           </a:ln>
           <a:extLst>
             <a:ext uri="{C572A759-6A51-4108-AA02-DFA0A04FC94B}">
-              <ma14:wrappingTextBoxFlag xmlns="" xmlns:m="http://schemas.openxmlformats.org/officeDocument/2006/math" xmlns:a14="http://schemas.microsoft.com/office/drawing/2010/main" xmlns:ma14="http://schemas.microsoft.com/office/mac/drawingml/2011/main" val="1"/>
+              <ma14:wrappingTextBoxFlag xmlns:ma14="http://schemas.microsoft.com/office/mac/drawingml/2011/main" xmlns:a14="http://schemas.microsoft.com/office/drawing/2010/main" xmlns:m="http://schemas.openxmlformats.org/officeDocument/2006/math" xmlns="" val="1"/>
             </a:ext>
           </a:extLst>
         </p:spPr>
@@ -10361,7 +10356,7 @@
           </a:ln>
           <a:extLst>
             <a:ext uri="{C572A759-6A51-4108-AA02-DFA0A04FC94B}">
-              <ma14:wrappingTextBoxFlag xmlns="" xmlns:m="http://schemas.openxmlformats.org/officeDocument/2006/math" xmlns:a14="http://schemas.microsoft.com/office/drawing/2010/main" xmlns:ma14="http://schemas.microsoft.com/office/mac/drawingml/2011/main" val="1"/>
+              <ma14:wrappingTextBoxFlag xmlns:ma14="http://schemas.microsoft.com/office/mac/drawingml/2011/main" xmlns:a14="http://schemas.microsoft.com/office/drawing/2010/main" xmlns:m="http://schemas.openxmlformats.org/officeDocument/2006/math" xmlns="" val="1"/>
             </a:ext>
           </a:extLst>
         </p:spPr>
@@ -10463,7 +10458,7 @@
           </a:ln>
           <a:extLst>
             <a:ext uri="{C572A759-6A51-4108-AA02-DFA0A04FC94B}">
-              <ma14:wrappingTextBoxFlag xmlns="" xmlns:m="http://schemas.openxmlformats.org/officeDocument/2006/math" xmlns:a14="http://schemas.microsoft.com/office/drawing/2010/main" xmlns:ma14="http://schemas.microsoft.com/office/mac/drawingml/2011/main" val="1"/>
+              <ma14:wrappingTextBoxFlag xmlns:ma14="http://schemas.microsoft.com/office/mac/drawingml/2011/main" xmlns:a14="http://schemas.microsoft.com/office/drawing/2010/main" xmlns:m="http://schemas.openxmlformats.org/officeDocument/2006/math" xmlns="" val="1"/>
             </a:ext>
           </a:extLst>
         </p:spPr>
@@ -10559,7 +10554,7 @@
           </a:ln>
           <a:extLst>
             <a:ext uri="{C572A759-6A51-4108-AA02-DFA0A04FC94B}">
-              <ma14:wrappingTextBoxFlag xmlns="" xmlns:m="http://schemas.openxmlformats.org/officeDocument/2006/math" xmlns:a14="http://schemas.microsoft.com/office/drawing/2010/main" xmlns:ma14="http://schemas.microsoft.com/office/mac/drawingml/2011/main" val="1"/>
+              <ma14:wrappingTextBoxFlag xmlns:ma14="http://schemas.microsoft.com/office/mac/drawingml/2011/main" xmlns:a14="http://schemas.microsoft.com/office/drawing/2010/main" xmlns:m="http://schemas.openxmlformats.org/officeDocument/2006/math" xmlns="" val="1"/>
             </a:ext>
           </a:extLst>
         </p:spPr>
@@ -10629,7 +10624,7 @@
           </a:prstGeom>
           <a:extLst>
             <a:ext uri="{C572A759-6A51-4108-AA02-DFA0A04FC94B}">
-              <ma14:wrappingTextBoxFlag xmlns="" xmlns:m="http://schemas.openxmlformats.org/officeDocument/2006/math" xmlns:a14="http://schemas.microsoft.com/office/drawing/2010/main" xmlns:ma14="http://schemas.microsoft.com/office/mac/drawingml/2011/main" val="1"/>
+              <ma14:wrappingTextBoxFlag xmlns:ma14="http://schemas.microsoft.com/office/mac/drawingml/2011/main" xmlns:a14="http://schemas.microsoft.com/office/drawing/2010/main" xmlns:m="http://schemas.openxmlformats.org/officeDocument/2006/math" xmlns="" val="1"/>
             </a:ext>
           </a:extLst>
         </p:spPr>
@@ -10783,7 +10778,7 @@
           </a:prstGeom>
           <a:extLst>
             <a:ext uri="{C572A759-6A51-4108-AA02-DFA0A04FC94B}">
-              <ma14:wrappingTextBoxFlag xmlns="" xmlns:m="http://schemas.openxmlformats.org/officeDocument/2006/math" xmlns:a14="http://schemas.microsoft.com/office/drawing/2010/main" xmlns:ma14="http://schemas.microsoft.com/office/mac/drawingml/2011/main" val="1"/>
+              <ma14:wrappingTextBoxFlag xmlns:ma14="http://schemas.microsoft.com/office/mac/drawingml/2011/main" xmlns:a14="http://schemas.microsoft.com/office/drawing/2010/main" xmlns:m="http://schemas.openxmlformats.org/officeDocument/2006/math" xmlns="" val="1"/>
             </a:ext>
           </a:extLst>
         </p:spPr>
@@ -10817,7 +10812,7 @@
           <a:ln/>
           <a:extLst>
             <a:ext uri="{C572A759-6A51-4108-AA02-DFA0A04FC94B}">
-              <ma14:wrappingTextBoxFlag xmlns="" xmlns:m="http://schemas.openxmlformats.org/officeDocument/2006/math" xmlns:a14="http://schemas.microsoft.com/office/drawing/2010/main" xmlns:ma14="http://schemas.microsoft.com/office/mac/drawingml/2011/main" val="1"/>
+              <ma14:wrappingTextBoxFlag xmlns:ma14="http://schemas.microsoft.com/office/mac/drawingml/2011/main" xmlns:a14="http://schemas.microsoft.com/office/drawing/2010/main" xmlns:m="http://schemas.openxmlformats.org/officeDocument/2006/math" xmlns="" val="1"/>
             </a:ext>
           </a:extLst>
         </p:spPr>
@@ -11343,7 +11338,7 @@
           </a:prstGeom>
           <a:extLst>
             <a:ext uri="{C572A759-6A51-4108-AA02-DFA0A04FC94B}">
-              <ma14:wrappingTextBoxFlag xmlns="" xmlns:m="http://schemas.openxmlformats.org/officeDocument/2006/math" xmlns:a14="http://schemas.microsoft.com/office/drawing/2010/main" xmlns:ma14="http://schemas.microsoft.com/office/mac/drawingml/2011/main" val="1"/>
+              <ma14:wrappingTextBoxFlag xmlns:ma14="http://schemas.microsoft.com/office/mac/drawingml/2011/main" xmlns:a14="http://schemas.microsoft.com/office/drawing/2010/main" xmlns:m="http://schemas.openxmlformats.org/officeDocument/2006/math" xmlns="" val="1"/>
             </a:ext>
           </a:extLst>
         </p:spPr>
@@ -11720,7 +11715,7 @@
           </a:prstGeom>
           <a:extLst>
             <a:ext uri="{C572A759-6A51-4108-AA02-DFA0A04FC94B}">
-              <ma14:wrappingTextBoxFlag xmlns="" xmlns:m="http://schemas.openxmlformats.org/officeDocument/2006/math" xmlns:a14="http://schemas.microsoft.com/office/drawing/2010/main" xmlns:ma14="http://schemas.microsoft.com/office/mac/drawingml/2011/main" val="1"/>
+              <ma14:wrappingTextBoxFlag xmlns:ma14="http://schemas.microsoft.com/office/mac/drawingml/2011/main" xmlns:a14="http://schemas.microsoft.com/office/drawing/2010/main" xmlns:m="http://schemas.openxmlformats.org/officeDocument/2006/math" xmlns="" val="1"/>
             </a:ext>
           </a:extLst>
         </p:spPr>
@@ -11934,7 +11929,7 @@
           </a:effectLst>
           <a:extLst>
             <a:ext uri="{C572A759-6A51-4108-AA02-DFA0A04FC94B}">
-              <ma14:wrappingTextBoxFlag xmlns="" xmlns:m="http://schemas.openxmlformats.org/officeDocument/2006/math" xmlns:a14="http://schemas.microsoft.com/office/drawing/2010/main" xmlns:ma14="http://schemas.microsoft.com/office/mac/drawingml/2011/main" val="1"/>
+              <ma14:wrappingTextBoxFlag xmlns:ma14="http://schemas.microsoft.com/office/mac/drawingml/2011/main" xmlns:a14="http://schemas.microsoft.com/office/drawing/2010/main" xmlns:m="http://schemas.openxmlformats.org/officeDocument/2006/math" xmlns="" val="1"/>
             </a:ext>
           </a:extLst>
         </p:spPr>
@@ -12037,6 +12032,13 @@
           <a:ln w="12700">
             <a:miter lim="400000"/>
           </a:ln>
+          <a:effectLst>
+            <a:outerShdw blurRad="50800" dist="38100" dir="2700000" algn="tl" rotWithShape="0">
+              <a:prstClr val="black">
+                <a:alpha val="40000"/>
+              </a:prstClr>
+            </a:outerShdw>
+          </a:effectLst>
         </p:spPr>
         <p:txBody>
           <a:bodyPr lIns="50800" tIns="50800" rIns="50800" bIns="50800" anchor="ctr"/>
@@ -12082,6 +12084,13 @@
           <a:ln w="12700">
             <a:miter lim="400000"/>
           </a:ln>
+          <a:effectLst>
+            <a:outerShdw blurRad="50800" dist="38100" dir="2700000" algn="tl" rotWithShape="0">
+              <a:prstClr val="black">
+                <a:alpha val="40000"/>
+              </a:prstClr>
+            </a:outerShdw>
+          </a:effectLst>
         </p:spPr>
         <p:txBody>
           <a:bodyPr lIns="50800" tIns="50800" rIns="50800" bIns="50800" anchor="ctr"/>
@@ -12110,7 +12119,7 @@
         </p:nvSpPr>
         <p:spPr>
           <a:xfrm>
-            <a:off x="13512800" y="8026400"/>
+            <a:off x="13560152" y="8026400"/>
             <a:ext cx="3606800" cy="1181100"/>
           </a:xfrm>
           <a:prstGeom prst="roundRect">
@@ -12127,6 +12136,13 @@
           <a:ln w="12700">
             <a:miter lim="400000"/>
           </a:ln>
+          <a:effectLst>
+            <a:outerShdw blurRad="50800" dist="38100" dir="2700000" algn="tl" rotWithShape="0">
+              <a:prstClr val="black">
+                <a:alpha val="40000"/>
+              </a:prstClr>
+            </a:outerShdw>
+          </a:effectLst>
         </p:spPr>
         <p:txBody>
           <a:bodyPr lIns="50800" tIns="50800" rIns="50800" bIns="50800" anchor="ctr"/>
@@ -12155,7 +12171,7 @@
         </p:nvSpPr>
         <p:spPr>
           <a:xfrm>
-            <a:off x="19126200" y="8026400"/>
+            <a:off x="19176776" y="8026400"/>
             <a:ext cx="3606800" cy="1181100"/>
           </a:xfrm>
           <a:prstGeom prst="roundRect">
@@ -12172,6 +12188,13 @@
           <a:ln w="12700">
             <a:miter lim="400000"/>
           </a:ln>
+          <a:effectLst>
+            <a:outerShdw blurRad="50800" dist="38100" dir="2700000" algn="tl" rotWithShape="0">
+              <a:prstClr val="black">
+                <a:alpha val="40000"/>
+              </a:prstClr>
+            </a:outerShdw>
+          </a:effectLst>
         </p:spPr>
         <p:txBody>
           <a:bodyPr lIns="50800" tIns="50800" rIns="50800" bIns="50800" anchor="ctr"/>
@@ -12321,7 +12344,7 @@
           </a:ln>
           <a:extLst>
             <a:ext uri="{C572A759-6A51-4108-AA02-DFA0A04FC94B}">
-              <ma14:wrappingTextBoxFlag xmlns="" xmlns:m="http://schemas.openxmlformats.org/officeDocument/2006/math" xmlns:a14="http://schemas.microsoft.com/office/drawing/2010/main" xmlns:ma14="http://schemas.microsoft.com/office/mac/drawingml/2011/main" val="1"/>
+              <ma14:wrappingTextBoxFlag xmlns:ma14="http://schemas.microsoft.com/office/mac/drawingml/2011/main" xmlns:a14="http://schemas.microsoft.com/office/drawing/2010/main" xmlns:m="http://schemas.openxmlformats.org/officeDocument/2006/math" xmlns="" val="1"/>
             </a:ext>
           </a:extLst>
         </p:spPr>
@@ -12489,7 +12512,7 @@
           </a:ln>
           <a:extLst>
             <a:ext uri="{C572A759-6A51-4108-AA02-DFA0A04FC94B}">
-              <ma14:wrappingTextBoxFlag xmlns="" xmlns:m="http://schemas.openxmlformats.org/officeDocument/2006/math" xmlns:a14="http://schemas.microsoft.com/office/drawing/2010/main" xmlns:ma14="http://schemas.microsoft.com/office/mac/drawingml/2011/main" val="1"/>
+              <ma14:wrappingTextBoxFlag xmlns:ma14="http://schemas.microsoft.com/office/mac/drawingml/2011/main" xmlns:a14="http://schemas.microsoft.com/office/drawing/2010/main" xmlns:m="http://schemas.openxmlformats.org/officeDocument/2006/math" xmlns="" val="1"/>
             </a:ext>
           </a:extLst>
         </p:spPr>
@@ -12686,7 +12709,7 @@
           </a:ln>
           <a:extLst>
             <a:ext uri="{C572A759-6A51-4108-AA02-DFA0A04FC94B}">
-              <ma14:wrappingTextBoxFlag xmlns="" xmlns:m="http://schemas.openxmlformats.org/officeDocument/2006/math" xmlns:a14="http://schemas.microsoft.com/office/drawing/2010/main" xmlns:ma14="http://schemas.microsoft.com/office/mac/drawingml/2011/main" val="1"/>
+              <ma14:wrappingTextBoxFlag xmlns:ma14="http://schemas.microsoft.com/office/mac/drawingml/2011/main" xmlns:a14="http://schemas.microsoft.com/office/drawing/2010/main" xmlns:m="http://schemas.openxmlformats.org/officeDocument/2006/math" xmlns="" val="1"/>
             </a:ext>
           </a:extLst>
         </p:spPr>
@@ -12875,7 +12898,7 @@
           </a:ln>
           <a:extLst>
             <a:ext uri="{C572A759-6A51-4108-AA02-DFA0A04FC94B}">
-              <ma14:wrappingTextBoxFlag xmlns="" xmlns:m="http://schemas.openxmlformats.org/officeDocument/2006/math" xmlns:a14="http://schemas.microsoft.com/office/drawing/2010/main" xmlns:ma14="http://schemas.microsoft.com/office/mac/drawingml/2011/main" val="1"/>
+              <ma14:wrappingTextBoxFlag xmlns:ma14="http://schemas.microsoft.com/office/mac/drawingml/2011/main" xmlns:a14="http://schemas.microsoft.com/office/drawing/2010/main" xmlns:m="http://schemas.openxmlformats.org/officeDocument/2006/math" xmlns="" val="1"/>
             </a:ext>
           </a:extLst>
         </p:spPr>
@@ -12987,7 +13010,7 @@
           </a:ln>
           <a:extLst>
             <a:ext uri="{C572A759-6A51-4108-AA02-DFA0A04FC94B}">
-              <ma14:wrappingTextBoxFlag xmlns="" xmlns:m="http://schemas.openxmlformats.org/officeDocument/2006/math" xmlns:a14="http://schemas.microsoft.com/office/drawing/2010/main" xmlns:ma14="http://schemas.microsoft.com/office/mac/drawingml/2011/main" val="1"/>
+              <ma14:wrappingTextBoxFlag xmlns:ma14="http://schemas.microsoft.com/office/mac/drawingml/2011/main" xmlns:a14="http://schemas.microsoft.com/office/drawing/2010/main" xmlns:m="http://schemas.openxmlformats.org/officeDocument/2006/math" xmlns="" val="1"/>
             </a:ext>
           </a:extLst>
         </p:spPr>
@@ -13040,7 +13063,7 @@
           </a:ln>
           <a:extLst>
             <a:ext uri="{C572A759-6A51-4108-AA02-DFA0A04FC94B}">
-              <ma14:wrappingTextBoxFlag xmlns="" xmlns:m="http://schemas.openxmlformats.org/officeDocument/2006/math" xmlns:a14="http://schemas.microsoft.com/office/drawing/2010/main" xmlns:ma14="http://schemas.microsoft.com/office/mac/drawingml/2011/main" val="1"/>
+              <ma14:wrappingTextBoxFlag xmlns:ma14="http://schemas.microsoft.com/office/mac/drawingml/2011/main" xmlns:a14="http://schemas.microsoft.com/office/drawing/2010/main" xmlns:m="http://schemas.openxmlformats.org/officeDocument/2006/math" xmlns="" val="1"/>
             </a:ext>
           </a:extLst>
         </p:spPr>
@@ -13082,7 +13105,7 @@
         </p:nvSpPr>
         <p:spPr>
           <a:xfrm>
-            <a:off x="19761200" y="8202671"/>
+            <a:off x="19792304" y="8202671"/>
             <a:ext cx="2336800" cy="841256"/>
           </a:xfrm>
           <a:prstGeom prst="rect">
@@ -13093,7 +13116,7 @@
           </a:ln>
           <a:extLst>
             <a:ext uri="{C572A759-6A51-4108-AA02-DFA0A04FC94B}">
-              <ma14:wrappingTextBoxFlag xmlns="" xmlns:m="http://schemas.openxmlformats.org/officeDocument/2006/math" xmlns:a14="http://schemas.microsoft.com/office/drawing/2010/main" xmlns:ma14="http://schemas.microsoft.com/office/mac/drawingml/2011/main" val="1"/>
+              <ma14:wrappingTextBoxFlag xmlns:ma14="http://schemas.microsoft.com/office/mac/drawingml/2011/main" xmlns:a14="http://schemas.microsoft.com/office/drawing/2010/main" xmlns:m="http://schemas.openxmlformats.org/officeDocument/2006/math" xmlns="" val="1"/>
             </a:ext>
           </a:extLst>
         </p:spPr>
@@ -13135,7 +13158,7 @@
         </p:nvSpPr>
         <p:spPr>
           <a:xfrm>
-            <a:off x="14147800" y="8202671"/>
+            <a:off x="14175680" y="8202671"/>
             <a:ext cx="2336800" cy="841256"/>
           </a:xfrm>
           <a:prstGeom prst="rect">
@@ -13146,7 +13169,7 @@
           </a:ln>
           <a:extLst>
             <a:ext uri="{C572A759-6A51-4108-AA02-DFA0A04FC94B}">
-              <ma14:wrappingTextBoxFlag xmlns="" xmlns:m="http://schemas.openxmlformats.org/officeDocument/2006/math" xmlns:a14="http://schemas.microsoft.com/office/drawing/2010/main" xmlns:ma14="http://schemas.microsoft.com/office/mac/drawingml/2011/main" val="1"/>
+              <ma14:wrappingTextBoxFlag xmlns:ma14="http://schemas.microsoft.com/office/mac/drawingml/2011/main" xmlns:a14="http://schemas.microsoft.com/office/drawing/2010/main" xmlns:m="http://schemas.openxmlformats.org/officeDocument/2006/math" xmlns="" val="1"/>
             </a:ext>
           </a:extLst>
         </p:spPr>
@@ -13382,7 +13405,7 @@
         </p:blipFill>
         <p:spPr>
           <a:xfrm>
-            <a:off x="19608824" y="9522296"/>
+            <a:off x="19635960" y="9522296"/>
             <a:ext cx="2997200" cy="2997200"/>
           </a:xfrm>
           <a:prstGeom prst="snip2DiagRect">
@@ -13473,7 +13496,7 @@
           </a:prstGeom>
           <a:extLst>
             <a:ext uri="{C572A759-6A51-4108-AA02-DFA0A04FC94B}">
-              <ma14:wrappingTextBoxFlag xmlns="" xmlns:m="http://schemas.openxmlformats.org/officeDocument/2006/math" xmlns:a14="http://schemas.microsoft.com/office/drawing/2010/main" xmlns:ma14="http://schemas.microsoft.com/office/mac/drawingml/2011/main" val="1"/>
+              <ma14:wrappingTextBoxFlag xmlns:ma14="http://schemas.microsoft.com/office/mac/drawingml/2011/main" xmlns:a14="http://schemas.microsoft.com/office/drawing/2010/main" xmlns:m="http://schemas.openxmlformats.org/officeDocument/2006/math" xmlns="" val="1"/>
             </a:ext>
           </a:extLst>
         </p:spPr>
@@ -13656,7 +13679,7 @@
               <a:effectLst/>
               <a:extLst>
                 <a:ext uri="{C572A759-6A51-4108-AA02-DFA0A04FC94B}">
-                  <ma14:wrappingTextBoxFlag xmlns="" xmlns:m="http://schemas.openxmlformats.org/officeDocument/2006/math" xmlns:a14="http://schemas.microsoft.com/office/drawing/2010/main" xmlns:ma14="http://schemas.microsoft.com/office/mac/drawingml/2011/main" val="1"/>
+                  <ma14:wrappingTextBoxFlag xmlns:ma14="http://schemas.microsoft.com/office/mac/drawingml/2011/main" xmlns:a14="http://schemas.microsoft.com/office/drawing/2010/main" xmlns:m="http://schemas.openxmlformats.org/officeDocument/2006/math" xmlns="" val="1"/>
                 </a:ext>
               </a:extLst>
             </p:spPr>
@@ -13769,7 +13792,7 @@
               <a:effectLst/>
               <a:extLst>
                 <a:ext uri="{C572A759-6A51-4108-AA02-DFA0A04FC94B}">
-                  <ma14:wrappingTextBoxFlag xmlns="" xmlns:m="http://schemas.openxmlformats.org/officeDocument/2006/math" xmlns:a14="http://schemas.microsoft.com/office/drawing/2010/main" xmlns:ma14="http://schemas.microsoft.com/office/mac/drawingml/2011/main" val="1"/>
+                  <ma14:wrappingTextBoxFlag xmlns:ma14="http://schemas.microsoft.com/office/mac/drawingml/2011/main" xmlns:a14="http://schemas.microsoft.com/office/drawing/2010/main" xmlns:m="http://schemas.openxmlformats.org/officeDocument/2006/math" xmlns="" val="1"/>
                 </a:ext>
               </a:extLst>
             </p:spPr>
@@ -13902,7 +13925,7 @@
               <a:effectLst/>
               <a:extLst>
                 <a:ext uri="{C572A759-6A51-4108-AA02-DFA0A04FC94B}">
-                  <ma14:wrappingTextBoxFlag xmlns="" xmlns:m="http://schemas.openxmlformats.org/officeDocument/2006/math" xmlns:a14="http://schemas.microsoft.com/office/drawing/2010/main" xmlns:ma14="http://schemas.microsoft.com/office/mac/drawingml/2011/main" val="1"/>
+                  <ma14:wrappingTextBoxFlag xmlns:ma14="http://schemas.microsoft.com/office/mac/drawingml/2011/main" xmlns:a14="http://schemas.microsoft.com/office/drawing/2010/main" xmlns:m="http://schemas.openxmlformats.org/officeDocument/2006/math" xmlns="" val="1"/>
                 </a:ext>
               </a:extLst>
             </p:spPr>
@@ -14007,7 +14030,7 @@
             <a:effectLst/>
             <a:extLst>
               <a:ext uri="{C572A759-6A51-4108-AA02-DFA0A04FC94B}">
-                <ma14:wrappingTextBoxFlag xmlns="" xmlns:m="http://schemas.openxmlformats.org/officeDocument/2006/math" xmlns:a14="http://schemas.microsoft.com/office/drawing/2010/main" xmlns:ma14="http://schemas.microsoft.com/office/mac/drawingml/2011/main" val="1"/>
+                <ma14:wrappingTextBoxFlag xmlns:ma14="http://schemas.microsoft.com/office/mac/drawingml/2011/main" xmlns:a14="http://schemas.microsoft.com/office/drawing/2010/main" xmlns:m="http://schemas.openxmlformats.org/officeDocument/2006/math" xmlns="" val="1"/>
               </a:ext>
             </a:extLst>
           </p:spPr>
@@ -14064,7 +14087,7 @@
           </a:ln>
           <a:extLst>
             <a:ext uri="{C572A759-6A51-4108-AA02-DFA0A04FC94B}">
-              <ma14:wrappingTextBoxFlag xmlns="" xmlns:m="http://schemas.openxmlformats.org/officeDocument/2006/math" xmlns:a14="http://schemas.microsoft.com/office/drawing/2010/main" xmlns:ma14="http://schemas.microsoft.com/office/mac/drawingml/2011/main" val="1"/>
+              <ma14:wrappingTextBoxFlag xmlns:ma14="http://schemas.microsoft.com/office/mac/drawingml/2011/main" xmlns:a14="http://schemas.microsoft.com/office/drawing/2010/main" xmlns:m="http://schemas.openxmlformats.org/officeDocument/2006/math" xmlns="" val="1"/>
             </a:ext>
           </a:extLst>
         </p:spPr>
@@ -14493,7 +14516,7 @@
           <a:effectLst/>
           <a:extLst>
             <a:ext uri="{C572A759-6A51-4108-AA02-DFA0A04FC94B}">
-              <ma14:wrappingTextBoxFlag xmlns="" xmlns:m="http://schemas.openxmlformats.org/officeDocument/2006/math" xmlns:a14="http://schemas.microsoft.com/office/drawing/2010/main" xmlns:ma14="http://schemas.microsoft.com/office/mac/drawingml/2011/main" val="1"/>
+              <ma14:wrappingTextBoxFlag xmlns:ma14="http://schemas.microsoft.com/office/mac/drawingml/2011/main" xmlns:a14="http://schemas.microsoft.com/office/drawing/2010/main" xmlns:m="http://schemas.openxmlformats.org/officeDocument/2006/math" xmlns="" val="1"/>
             </a:ext>
           </a:extLst>
         </p:spPr>
@@ -14580,7 +14603,7 @@
           </a:prstGeom>
           <a:extLst>
             <a:ext uri="{C572A759-6A51-4108-AA02-DFA0A04FC94B}">
-              <ma14:wrappingTextBoxFlag xmlns="" xmlns:m="http://schemas.openxmlformats.org/officeDocument/2006/math" xmlns:a14="http://schemas.microsoft.com/office/drawing/2010/main" xmlns:ma14="http://schemas.microsoft.com/office/mac/drawingml/2011/main" val="1"/>
+              <ma14:wrappingTextBoxFlag xmlns:ma14="http://schemas.microsoft.com/office/mac/drawingml/2011/main" xmlns:a14="http://schemas.microsoft.com/office/drawing/2010/main" xmlns:m="http://schemas.openxmlformats.org/officeDocument/2006/math" xmlns="" val="1"/>
             </a:ext>
           </a:extLst>
         </p:spPr>
@@ -14951,7 +14974,7 @@
             </a:ln>
             <a:extLst>
               <a:ext uri="{C572A759-6A51-4108-AA02-DFA0A04FC94B}">
-                <ma14:wrappingTextBoxFlag xmlns="" xmlns:m="http://schemas.openxmlformats.org/officeDocument/2006/math" xmlns:a14="http://schemas.microsoft.com/office/drawing/2010/main" xmlns:ma14="http://schemas.microsoft.com/office/mac/drawingml/2011/main" val="1"/>
+                <ma14:wrappingTextBoxFlag xmlns:ma14="http://schemas.microsoft.com/office/mac/drawingml/2011/main" xmlns:a14="http://schemas.microsoft.com/office/drawing/2010/main" xmlns:m="http://schemas.openxmlformats.org/officeDocument/2006/math" xmlns="" val="1"/>
               </a:ext>
             </a:extLst>
           </p:spPr>
@@ -15000,7 +15023,7 @@
             </a:ln>
             <a:extLst>
               <a:ext uri="{C572A759-6A51-4108-AA02-DFA0A04FC94B}">
-                <ma14:wrappingTextBoxFlag xmlns="" xmlns:m="http://schemas.openxmlformats.org/officeDocument/2006/math" xmlns:a14="http://schemas.microsoft.com/office/drawing/2010/main" xmlns:ma14="http://schemas.microsoft.com/office/mac/drawingml/2011/main" val="1"/>
+                <ma14:wrappingTextBoxFlag xmlns:ma14="http://schemas.microsoft.com/office/mac/drawingml/2011/main" xmlns:a14="http://schemas.microsoft.com/office/drawing/2010/main" xmlns:m="http://schemas.openxmlformats.org/officeDocument/2006/math" xmlns="" val="1"/>
               </a:ext>
             </a:extLst>
           </p:spPr>
@@ -15049,7 +15072,7 @@
             </a:ln>
             <a:extLst>
               <a:ext uri="{C572A759-6A51-4108-AA02-DFA0A04FC94B}">
-                <ma14:wrappingTextBoxFlag xmlns="" xmlns:m="http://schemas.openxmlformats.org/officeDocument/2006/math" xmlns:a14="http://schemas.microsoft.com/office/drawing/2010/main" xmlns:ma14="http://schemas.microsoft.com/office/mac/drawingml/2011/main" val="1"/>
+                <ma14:wrappingTextBoxFlag xmlns:ma14="http://schemas.microsoft.com/office/mac/drawingml/2011/main" xmlns:a14="http://schemas.microsoft.com/office/drawing/2010/main" xmlns:m="http://schemas.openxmlformats.org/officeDocument/2006/math" xmlns="" val="1"/>
               </a:ext>
             </a:extLst>
           </p:spPr>
@@ -15098,7 +15121,7 @@
             </a:ln>
             <a:extLst>
               <a:ext uri="{C572A759-6A51-4108-AA02-DFA0A04FC94B}">
-                <ma14:wrappingTextBoxFlag xmlns="" xmlns:m="http://schemas.openxmlformats.org/officeDocument/2006/math" xmlns:a14="http://schemas.microsoft.com/office/drawing/2010/main" xmlns:ma14="http://schemas.microsoft.com/office/mac/drawingml/2011/main" val="1"/>
+                <ma14:wrappingTextBoxFlag xmlns:ma14="http://schemas.microsoft.com/office/mac/drawingml/2011/main" xmlns:a14="http://schemas.microsoft.com/office/drawing/2010/main" xmlns:m="http://schemas.openxmlformats.org/officeDocument/2006/math" xmlns="" val="1"/>
               </a:ext>
             </a:extLst>
           </p:spPr>
@@ -15182,7 +15205,7 @@
           </a:prstGeom>
           <a:extLst>
             <a:ext uri="{C572A759-6A51-4108-AA02-DFA0A04FC94B}">
-              <ma14:wrappingTextBoxFlag xmlns="" xmlns:m="http://schemas.openxmlformats.org/officeDocument/2006/math" xmlns:a14="http://schemas.microsoft.com/office/drawing/2010/main" xmlns:ma14="http://schemas.microsoft.com/office/mac/drawingml/2011/main" val="1"/>
+              <ma14:wrappingTextBoxFlag xmlns:ma14="http://schemas.microsoft.com/office/mac/drawingml/2011/main" xmlns:a14="http://schemas.microsoft.com/office/drawing/2010/main" xmlns:m="http://schemas.openxmlformats.org/officeDocument/2006/math" xmlns="" val="1"/>
             </a:ext>
           </a:extLst>
         </p:spPr>
@@ -15471,7 +15494,7 @@
             </a:ln>
             <a:extLst>
               <a:ext uri="{C572A759-6A51-4108-AA02-DFA0A04FC94B}">
-                <ma14:wrappingTextBoxFlag xmlns="" xmlns:m="http://schemas.openxmlformats.org/officeDocument/2006/math" xmlns:a14="http://schemas.microsoft.com/office/drawing/2010/main" xmlns:ma14="http://schemas.microsoft.com/office/mac/drawingml/2011/main" val="1"/>
+                <ma14:wrappingTextBoxFlag xmlns:ma14="http://schemas.microsoft.com/office/mac/drawingml/2011/main" xmlns:a14="http://schemas.microsoft.com/office/drawing/2010/main" xmlns:m="http://schemas.openxmlformats.org/officeDocument/2006/math" xmlns="" val="1"/>
               </a:ext>
             </a:extLst>
           </p:spPr>
@@ -15520,7 +15543,7 @@
             </a:ln>
             <a:extLst>
               <a:ext uri="{C572A759-6A51-4108-AA02-DFA0A04FC94B}">
-                <ma14:wrappingTextBoxFlag xmlns="" xmlns:m="http://schemas.openxmlformats.org/officeDocument/2006/math" xmlns:a14="http://schemas.microsoft.com/office/drawing/2010/main" xmlns:ma14="http://schemas.microsoft.com/office/mac/drawingml/2011/main" val="1"/>
+                <ma14:wrappingTextBoxFlag xmlns:ma14="http://schemas.microsoft.com/office/mac/drawingml/2011/main" xmlns:a14="http://schemas.microsoft.com/office/drawing/2010/main" xmlns:m="http://schemas.openxmlformats.org/officeDocument/2006/math" xmlns="" val="1"/>
               </a:ext>
             </a:extLst>
           </p:spPr>
@@ -15569,7 +15592,7 @@
             </a:ln>
             <a:extLst>
               <a:ext uri="{C572A759-6A51-4108-AA02-DFA0A04FC94B}">
-                <ma14:wrappingTextBoxFlag xmlns="" xmlns:m="http://schemas.openxmlformats.org/officeDocument/2006/math" xmlns:a14="http://schemas.microsoft.com/office/drawing/2010/main" xmlns:ma14="http://schemas.microsoft.com/office/mac/drawingml/2011/main" val="1"/>
+                <ma14:wrappingTextBoxFlag xmlns:ma14="http://schemas.microsoft.com/office/mac/drawingml/2011/main" xmlns:a14="http://schemas.microsoft.com/office/drawing/2010/main" xmlns:m="http://schemas.openxmlformats.org/officeDocument/2006/math" xmlns="" val="1"/>
               </a:ext>
             </a:extLst>
           </p:spPr>
@@ -15618,7 +15641,7 @@
             </a:ln>
             <a:extLst>
               <a:ext uri="{C572A759-6A51-4108-AA02-DFA0A04FC94B}">
-                <ma14:wrappingTextBoxFlag xmlns="" xmlns:m="http://schemas.openxmlformats.org/officeDocument/2006/math" xmlns:a14="http://schemas.microsoft.com/office/drawing/2010/main" xmlns:ma14="http://schemas.microsoft.com/office/mac/drawingml/2011/main" val="1"/>
+                <ma14:wrappingTextBoxFlag xmlns:ma14="http://schemas.microsoft.com/office/mac/drawingml/2011/main" xmlns:a14="http://schemas.microsoft.com/office/drawing/2010/main" xmlns:m="http://schemas.openxmlformats.org/officeDocument/2006/math" xmlns="" val="1"/>
               </a:ext>
             </a:extLst>
           </p:spPr>
@@ -15735,7 +15758,7 @@
           </a:prstGeom>
           <a:extLst>
             <a:ext uri="{C572A759-6A51-4108-AA02-DFA0A04FC94B}">
-              <ma14:wrappingTextBoxFlag xmlns="" xmlns:m="http://schemas.openxmlformats.org/officeDocument/2006/math" xmlns:a14="http://schemas.microsoft.com/office/drawing/2010/main" xmlns:ma14="http://schemas.microsoft.com/office/mac/drawingml/2011/main" val="1"/>
+              <ma14:wrappingTextBoxFlag xmlns:ma14="http://schemas.microsoft.com/office/mac/drawingml/2011/main" xmlns:a14="http://schemas.microsoft.com/office/drawing/2010/main" xmlns:m="http://schemas.openxmlformats.org/officeDocument/2006/math" xmlns="" val="1"/>
             </a:ext>
           </a:extLst>
         </p:spPr>
@@ -15934,7 +15957,7 @@
           </a:ln>
           <a:extLst>
             <a:ext uri="{C572A759-6A51-4108-AA02-DFA0A04FC94B}">
-              <ma14:wrappingTextBoxFlag xmlns="" xmlns:m="http://schemas.openxmlformats.org/officeDocument/2006/math" xmlns:a14="http://schemas.microsoft.com/office/drawing/2010/main" xmlns:ma14="http://schemas.microsoft.com/office/mac/drawingml/2011/main" val="1"/>
+              <ma14:wrappingTextBoxFlag xmlns:ma14="http://schemas.microsoft.com/office/mac/drawingml/2011/main" xmlns:a14="http://schemas.microsoft.com/office/drawing/2010/main" xmlns:m="http://schemas.openxmlformats.org/officeDocument/2006/math" xmlns="" val="1"/>
             </a:ext>
           </a:extLst>
         </p:spPr>
@@ -16057,9 +16080,16 @@
           <a:prstGeom prst="rect">
             <a:avLst/>
           </a:prstGeom>
-          <a:ln w="12700">
-            <a:miter lim="400000"/>
+          <a:ln>
+            <a:noFill/>
           </a:ln>
+          <a:effectLst>
+            <a:outerShdw blurRad="190500" algn="tl" rotWithShape="0">
+              <a:srgbClr val="000000">
+                <a:alpha val="70000"/>
+              </a:srgbClr>
+            </a:outerShdw>
+          </a:effectLst>
         </p:spPr>
       </p:pic>
       <p:sp>
@@ -16291,7 +16321,7 @@
           </a:ln>
           <a:extLst>
             <a:ext uri="{C572A759-6A51-4108-AA02-DFA0A04FC94B}">
-              <ma14:wrappingTextBoxFlag xmlns="" xmlns:m="http://schemas.openxmlformats.org/officeDocument/2006/math" xmlns:a14="http://schemas.microsoft.com/office/drawing/2010/main" xmlns:ma14="http://schemas.microsoft.com/office/mac/drawingml/2011/main" val="1"/>
+              <ma14:wrappingTextBoxFlag xmlns:ma14="http://schemas.microsoft.com/office/mac/drawingml/2011/main" xmlns:a14="http://schemas.microsoft.com/office/drawing/2010/main" xmlns:m="http://schemas.openxmlformats.org/officeDocument/2006/math" xmlns="" val="1"/>
             </a:ext>
           </a:extLst>
         </p:spPr>
@@ -16364,8 +16394,8 @@
         </p:blipFill>
         <p:spPr>
           <a:xfrm rot="16214275">
-            <a:off x="11210421" y="7770903"/>
-            <a:ext cx="1168475" cy="352235"/>
+            <a:off x="11139064" y="7697078"/>
+            <a:ext cx="1313965" cy="354406"/>
           </a:xfrm>
           <a:prstGeom prst="rect">
             <a:avLst/>
@@ -16419,7 +16449,7 @@
         </p:blipFill>
         <p:spPr>
           <a:xfrm>
-            <a:off x="9311680" y="9018240"/>
+            <a:off x="9329789" y="9018240"/>
             <a:ext cx="1134019" cy="45719"/>
           </a:xfrm>
           <a:prstGeom prst="rect">
@@ -16658,11 +16688,7 @@
             <a:avLst/>
           </a:prstGeom>
           <a:solidFill>
-            <a:schemeClr val="accent3">
-              <a:hueOff val="362282"/>
-              <a:satOff val="31803"/>
-              <a:lumOff val="-18242"/>
-            </a:schemeClr>
+            <a:srgbClr val="14E24A"/>
           </a:solidFill>
           <a:ln w="12700">
             <a:miter lim="400000"/>
@@ -16749,7 +16775,7 @@
           </a:ln>
           <a:extLst>
             <a:ext uri="{C572A759-6A51-4108-AA02-DFA0A04FC94B}">
-              <ma14:wrappingTextBoxFlag xmlns="" xmlns:m="http://schemas.openxmlformats.org/officeDocument/2006/math" xmlns:a14="http://schemas.microsoft.com/office/drawing/2010/main" xmlns:ma14="http://schemas.microsoft.com/office/mac/drawingml/2011/main" val="1"/>
+              <ma14:wrappingTextBoxFlag xmlns:ma14="http://schemas.microsoft.com/office/mac/drawingml/2011/main" xmlns:a14="http://schemas.microsoft.com/office/drawing/2010/main" xmlns:m="http://schemas.openxmlformats.org/officeDocument/2006/math" xmlns="" val="1"/>
             </a:ext>
           </a:extLst>
         </p:spPr>
@@ -16799,7 +16825,7 @@
           </a:ln>
           <a:extLst>
             <a:ext uri="{C572A759-6A51-4108-AA02-DFA0A04FC94B}">
-              <ma14:wrappingTextBoxFlag xmlns="" xmlns:m="http://schemas.openxmlformats.org/officeDocument/2006/math" xmlns:a14="http://schemas.microsoft.com/office/drawing/2010/main" xmlns:ma14="http://schemas.microsoft.com/office/mac/drawingml/2011/main" val="1"/>
+              <ma14:wrappingTextBoxFlag xmlns:ma14="http://schemas.microsoft.com/office/mac/drawingml/2011/main" xmlns:a14="http://schemas.microsoft.com/office/drawing/2010/main" xmlns:m="http://schemas.openxmlformats.org/officeDocument/2006/math" xmlns="" val="1"/>
             </a:ext>
           </a:extLst>
         </p:spPr>
@@ -16879,7 +16905,7 @@
           </a:prstGeom>
           <a:extLst>
             <a:ext uri="{C572A759-6A51-4108-AA02-DFA0A04FC94B}">
-              <ma14:wrappingTextBoxFlag xmlns="" xmlns:m="http://schemas.openxmlformats.org/officeDocument/2006/math" xmlns:a14="http://schemas.microsoft.com/office/drawing/2010/main" xmlns:ma14="http://schemas.microsoft.com/office/mac/drawingml/2011/main" val="1"/>
+              <ma14:wrappingTextBoxFlag xmlns:ma14="http://schemas.microsoft.com/office/mac/drawingml/2011/main" xmlns:a14="http://schemas.microsoft.com/office/drawing/2010/main" xmlns:m="http://schemas.openxmlformats.org/officeDocument/2006/math" xmlns="" val="1"/>
             </a:ext>
           </a:extLst>
         </p:spPr>
@@ -16920,9 +16946,16 @@
           <a:prstGeom prst="rect">
             <a:avLst/>
           </a:prstGeom>
-          <a:ln w="12700">
-            <a:miter lim="400000"/>
+          <a:ln>
+            <a:noFill/>
           </a:ln>
+          <a:effectLst>
+            <a:outerShdw blurRad="190500" algn="tl" rotWithShape="0">
+              <a:srgbClr val="000000">
+                <a:alpha val="70000"/>
+              </a:srgbClr>
+            </a:outerShdw>
+          </a:effectLst>
         </p:spPr>
       </p:pic>
       <p:pic>
@@ -17220,7 +17253,7 @@
             </a:ln>
             <a:extLst>
               <a:ext uri="{C572A759-6A51-4108-AA02-DFA0A04FC94B}">
-                <ma14:wrappingTextBoxFlag xmlns="" xmlns:m="http://schemas.openxmlformats.org/officeDocument/2006/math" xmlns:a14="http://schemas.microsoft.com/office/drawing/2010/main" xmlns:ma14="http://schemas.microsoft.com/office/mac/drawingml/2011/main" val="1"/>
+                <ma14:wrappingTextBoxFlag xmlns:ma14="http://schemas.microsoft.com/office/mac/drawingml/2011/main" xmlns:a14="http://schemas.microsoft.com/office/drawing/2010/main" xmlns:m="http://schemas.openxmlformats.org/officeDocument/2006/math" xmlns="" val="1"/>
               </a:ext>
             </a:extLst>
           </p:spPr>
@@ -17294,7 +17327,7 @@
         </p:blipFill>
         <p:spPr>
           <a:xfrm>
-            <a:off x="10175776" y="6137920"/>
+            <a:off x="10103768" y="6137920"/>
             <a:ext cx="3456384" cy="72008"/>
           </a:xfrm>
           <a:prstGeom prst="rect">
@@ -18054,7 +18087,7 @@
           </a:ln>
           <a:extLst>
             <a:ext uri="{C572A759-6A51-4108-AA02-DFA0A04FC94B}">
-              <ma14:wrappingTextBoxFlag xmlns="" xmlns:m="http://schemas.openxmlformats.org/officeDocument/2006/math" xmlns:a14="http://schemas.microsoft.com/office/drawing/2010/main" xmlns:ma14="http://schemas.microsoft.com/office/mac/drawingml/2011/main" val="1"/>
+              <ma14:wrappingTextBoxFlag xmlns:ma14="http://schemas.microsoft.com/office/mac/drawingml/2011/main" xmlns:a14="http://schemas.microsoft.com/office/drawing/2010/main" xmlns:m="http://schemas.openxmlformats.org/officeDocument/2006/math" xmlns="" val="1"/>
             </a:ext>
           </a:extLst>
         </p:spPr>
